--- a/docs/files/Fredis.pptx
+++ b/docs/files/Fredis.pptx
@@ -5,14 +5,22 @@
     <p:sldMasterId id="2147483648" r:id="rId1"/>
   </p:sldMasterIdLst>
   <p:notesMasterIdLst>
-    <p:notesMasterId r:id="rId7"/>
+    <p:notesMasterId r:id="rId15"/>
   </p:notesMasterIdLst>
   <p:sldIdLst>
-    <p:sldId id="258" r:id="rId2"/>
-    <p:sldId id="259" r:id="rId3"/>
-    <p:sldId id="260" r:id="rId4"/>
-    <p:sldId id="262" r:id="rId5"/>
-    <p:sldId id="261" r:id="rId6"/>
+    <p:sldId id="266" r:id="rId2"/>
+    <p:sldId id="270" r:id="rId3"/>
+    <p:sldId id="268" r:id="rId4"/>
+    <p:sldId id="258" r:id="rId5"/>
+    <p:sldId id="259" r:id="rId6"/>
+    <p:sldId id="267" r:id="rId7"/>
+    <p:sldId id="260" r:id="rId8"/>
+    <p:sldId id="262" r:id="rId9"/>
+    <p:sldId id="263" r:id="rId10"/>
+    <p:sldId id="261" r:id="rId11"/>
+    <p:sldId id="264" r:id="rId12"/>
+    <p:sldId id="265" r:id="rId13"/>
+    <p:sldId id="271" r:id="rId14"/>
   </p:sldIdLst>
   <p:sldSz cx="9144000" cy="6858000" type="screen4x3"/>
   <p:notesSz cx="6858000" cy="9144000"/>
@@ -3568,7 +3576,7 @@
           <a:p>
             <a:fld id="{E1F8043C-8CCA-4716-8496-BEA81FDAE78F}" type="datetimeFigureOut">
               <a:rPr lang="en-US" smtClean="0"/>
-              <a:t>7/2/2014</a:t>
+              <a:t>7/3/2014</a:t>
             </a:fld>
             <a:endParaRPr lang="en-US"/>
           </a:p>
@@ -3901,7 +3909,7 @@
           <a:p>
             <a:fld id="{CB12B858-9F01-40AD-9F02-D81C440B244A}" type="slidenum">
               <a:rPr lang="en-US" smtClean="0"/>
-              <a:t>1</a:t>
+              <a:t>4</a:t>
             </a:fld>
             <a:endParaRPr lang="en-US"/>
           </a:p>
@@ -4101,7 +4109,7 @@
           <a:p>
             <a:fld id="{96F4607C-019E-4BAA-BC02-4EF6780AA064}" type="datetimeFigureOut">
               <a:rPr lang="en-US" smtClean="0"/>
-              <a:t>7/2/2014</a:t>
+              <a:t>7/3/2014</a:t>
             </a:fld>
             <a:endParaRPr lang="en-US"/>
           </a:p>
@@ -4271,7 +4279,7 @@
           <a:p>
             <a:fld id="{96F4607C-019E-4BAA-BC02-4EF6780AA064}" type="datetimeFigureOut">
               <a:rPr lang="en-US" smtClean="0"/>
-              <a:t>7/2/2014</a:t>
+              <a:t>7/3/2014</a:t>
             </a:fld>
             <a:endParaRPr lang="en-US"/>
           </a:p>
@@ -4451,7 +4459,7 @@
           <a:p>
             <a:fld id="{96F4607C-019E-4BAA-BC02-4EF6780AA064}" type="datetimeFigureOut">
               <a:rPr lang="en-US" smtClean="0"/>
-              <a:t>7/2/2014</a:t>
+              <a:t>7/3/2014</a:t>
             </a:fld>
             <a:endParaRPr lang="en-US"/>
           </a:p>
@@ -4621,7 +4629,7 @@
           <a:p>
             <a:fld id="{96F4607C-019E-4BAA-BC02-4EF6780AA064}" type="datetimeFigureOut">
               <a:rPr lang="en-US" smtClean="0"/>
-              <a:t>7/2/2014</a:t>
+              <a:t>7/3/2014</a:t>
             </a:fld>
             <a:endParaRPr lang="en-US"/>
           </a:p>
@@ -4867,7 +4875,7 @@
           <a:p>
             <a:fld id="{96F4607C-019E-4BAA-BC02-4EF6780AA064}" type="datetimeFigureOut">
               <a:rPr lang="en-US" smtClean="0"/>
-              <a:t>7/2/2014</a:t>
+              <a:t>7/3/2014</a:t>
             </a:fld>
             <a:endParaRPr lang="en-US"/>
           </a:p>
@@ -5155,7 +5163,7 @@
           <a:p>
             <a:fld id="{96F4607C-019E-4BAA-BC02-4EF6780AA064}" type="datetimeFigureOut">
               <a:rPr lang="en-US" smtClean="0"/>
-              <a:t>7/2/2014</a:t>
+              <a:t>7/3/2014</a:t>
             </a:fld>
             <a:endParaRPr lang="en-US"/>
           </a:p>
@@ -5577,7 +5585,7 @@
           <a:p>
             <a:fld id="{96F4607C-019E-4BAA-BC02-4EF6780AA064}" type="datetimeFigureOut">
               <a:rPr lang="en-US" smtClean="0"/>
-              <a:t>7/2/2014</a:t>
+              <a:t>7/3/2014</a:t>
             </a:fld>
             <a:endParaRPr lang="en-US"/>
           </a:p>
@@ -5695,7 +5703,7 @@
           <a:p>
             <a:fld id="{96F4607C-019E-4BAA-BC02-4EF6780AA064}" type="datetimeFigureOut">
               <a:rPr lang="en-US" smtClean="0"/>
-              <a:t>7/2/2014</a:t>
+              <a:t>7/3/2014</a:t>
             </a:fld>
             <a:endParaRPr lang="en-US"/>
           </a:p>
@@ -5790,7 +5798,7 @@
           <a:p>
             <a:fld id="{96F4607C-019E-4BAA-BC02-4EF6780AA064}" type="datetimeFigureOut">
               <a:rPr lang="en-US" smtClean="0"/>
-              <a:t>7/2/2014</a:t>
+              <a:t>7/3/2014</a:t>
             </a:fld>
             <a:endParaRPr lang="en-US"/>
           </a:p>
@@ -6067,7 +6075,7 @@
           <a:p>
             <a:fld id="{96F4607C-019E-4BAA-BC02-4EF6780AA064}" type="datetimeFigureOut">
               <a:rPr lang="en-US" smtClean="0"/>
-              <a:t>7/2/2014</a:t>
+              <a:t>7/3/2014</a:t>
             </a:fld>
             <a:endParaRPr lang="en-US"/>
           </a:p>
@@ -6320,7 +6328,7 @@
           <a:p>
             <a:fld id="{96F4607C-019E-4BAA-BC02-4EF6780AA064}" type="datetimeFigureOut">
               <a:rPr lang="en-US" smtClean="0"/>
-              <a:t>7/2/2014</a:t>
+              <a:t>7/3/2014</a:t>
             </a:fld>
             <a:endParaRPr lang="en-US"/>
           </a:p>
@@ -6533,7 +6541,7 @@
           <a:p>
             <a:fld id="{96F4607C-019E-4BAA-BC02-4EF6780AA064}" type="datetimeFigureOut">
               <a:rPr lang="en-US" smtClean="0"/>
-              <a:t>7/2/2014</a:t>
+              <a:t>7/3/2014</a:t>
             </a:fld>
             <a:endParaRPr lang="en-US"/>
           </a:p>
@@ -6892,6 +6900,863 @@
 </file>
 
 <file path=ppt/slides/slide1.xml><?xml version="1.0" encoding="utf-8"?>
+<p:sld xmlns:a="http://schemas.openxmlformats.org/drawingml/2006/main" xmlns:r="http://schemas.openxmlformats.org/officeDocument/2006/relationships" xmlns:p="http://schemas.openxmlformats.org/presentationml/2006/main">
+  <p:cSld>
+    <p:spTree>
+      <p:nvGrpSpPr>
+        <p:cNvPr id="1" name=""/>
+        <p:cNvGrpSpPr/>
+        <p:nvPr/>
+      </p:nvGrpSpPr>
+      <p:grpSpPr>
+        <a:xfrm>
+          <a:off x="0" y="0"/>
+          <a:ext cx="0" cy="0"/>
+          <a:chOff x="0" y="0"/>
+          <a:chExt cx="0" cy="0"/>
+        </a:xfrm>
+      </p:grpSpPr>
+      <p:sp>
+        <p:nvSpPr>
+          <p:cNvPr id="2" name="Title 1"/>
+          <p:cNvSpPr>
+            <a:spLocks noGrp="1"/>
+          </p:cNvSpPr>
+          <p:nvPr>
+            <p:ph type="title"/>
+          </p:nvPr>
+        </p:nvSpPr>
+        <p:spPr>
+          <a:xfrm>
+            <a:off x="304800" y="274638"/>
+            <a:ext cx="8534400" cy="1143000"/>
+          </a:xfrm>
+        </p:spPr>
+        <p:txBody>
+          <a:bodyPr>
+            <a:normAutofit/>
+          </a:bodyPr>
+          <a:lstStyle/>
+          <a:p>
+            <a:r>
+              <a:rPr lang="en-US" b="1" dirty="0" smtClean="0"/>
+              <a:t>CAP theorem</a:t>
+            </a:r>
+            <a:endParaRPr lang="en-US" b="1" dirty="0"/>
+          </a:p>
+        </p:txBody>
+      </p:sp>
+      <p:sp>
+        <p:nvSpPr>
+          <p:cNvPr id="3" name="Content Placeholder 2"/>
+          <p:cNvSpPr>
+            <a:spLocks noGrp="1"/>
+          </p:cNvSpPr>
+          <p:nvPr>
+            <p:ph idx="1"/>
+          </p:nvPr>
+        </p:nvSpPr>
+        <p:spPr/>
+        <p:txBody>
+          <a:bodyPr>
+            <a:normAutofit/>
+          </a:bodyPr>
+          <a:lstStyle/>
+          <a:p>
+            <a:pPr marL="0" indent="0">
+              <a:buNone/>
+            </a:pPr>
+            <a:r>
+              <a:rPr lang="en-US" dirty="0" smtClean="0"/>
+              <a:t> </a:t>
+            </a:r>
+          </a:p>
+        </p:txBody>
+      </p:sp>
+      <p:pic>
+        <p:nvPicPr>
+          <p:cNvPr id="2050" name="Picture 2" descr="http://cdn.memegenerator.net/instances/500x/52082341.jpg"/>
+          <p:cNvPicPr>
+            <a:picLocks noChangeAspect="1" noChangeArrowheads="1"/>
+          </p:cNvPicPr>
+          <p:nvPr/>
+        </p:nvPicPr>
+        <p:blipFill>
+          <a:blip r:embed="rId2">
+            <a:extLst>
+              <a:ext uri="{28A0092B-C50C-407E-A947-70E740481C1C}">
+                <a14:useLocalDpi xmlns:a14="http://schemas.microsoft.com/office/drawing/2010/main" val="0"/>
+              </a:ext>
+            </a:extLst>
+          </a:blip>
+          <a:srcRect/>
+          <a:stretch>
+            <a:fillRect/>
+          </a:stretch>
+        </p:blipFill>
+        <p:spPr bwMode="auto">
+          <a:xfrm>
+            <a:off x="991358" y="1565031"/>
+            <a:ext cx="7386732" cy="4343400"/>
+          </a:xfrm>
+          <a:prstGeom prst="rect">
+            <a:avLst/>
+          </a:prstGeom>
+          <a:noFill/>
+          <a:extLst>
+            <a:ext uri="{909E8E84-426E-40DD-AFC4-6F175D3DCCD1}">
+              <a14:hiddenFill xmlns:a14="http://schemas.microsoft.com/office/drawing/2010/main">
+                <a:solidFill>
+                  <a:srgbClr val="FFFFFF"/>
+                </a:solidFill>
+              </a14:hiddenFill>
+            </a:ext>
+          </a:extLst>
+        </p:spPr>
+      </p:pic>
+    </p:spTree>
+    <p:extLst>
+      <p:ext uri="{BB962C8B-B14F-4D97-AF65-F5344CB8AC3E}">
+        <p14:creationId xmlns:p14="http://schemas.microsoft.com/office/powerpoint/2010/main" val="1062363471"/>
+      </p:ext>
+    </p:extLst>
+  </p:cSld>
+  <p:clrMapOvr>
+    <a:masterClrMapping/>
+  </p:clrMapOvr>
+  <p:timing>
+    <p:tnLst>
+      <p:par>
+        <p:cTn id="1" dur="indefinite" restart="never" nodeType="tmRoot"/>
+      </p:par>
+    </p:tnLst>
+  </p:timing>
+</p:sld>
+</file>
+
+<file path=ppt/slides/slide10.xml><?xml version="1.0" encoding="utf-8"?>
+<p:sld xmlns:a="http://schemas.openxmlformats.org/drawingml/2006/main" xmlns:r="http://schemas.openxmlformats.org/officeDocument/2006/relationships" xmlns:p="http://schemas.openxmlformats.org/presentationml/2006/main">
+  <p:cSld>
+    <p:spTree>
+      <p:nvGrpSpPr>
+        <p:cNvPr id="1" name=""/>
+        <p:cNvGrpSpPr/>
+        <p:nvPr/>
+      </p:nvGrpSpPr>
+      <p:grpSpPr>
+        <a:xfrm>
+          <a:off x="0" y="0"/>
+          <a:ext cx="0" cy="0"/>
+          <a:chOff x="0" y="0"/>
+          <a:chExt cx="0" cy="0"/>
+        </a:xfrm>
+      </p:grpSpPr>
+      <p:sp>
+        <p:nvSpPr>
+          <p:cNvPr id="2" name="Title 1"/>
+          <p:cNvSpPr>
+            <a:spLocks noGrp="1"/>
+          </p:cNvSpPr>
+          <p:nvPr>
+            <p:ph type="title"/>
+          </p:nvPr>
+        </p:nvSpPr>
+        <p:spPr/>
+        <p:txBody>
+          <a:bodyPr/>
+          <a:lstStyle/>
+          <a:p>
+            <a:r>
+              <a:rPr lang="en-US" b="1" dirty="0" smtClean="0"/>
+              <a:t>Side effects</a:t>
+            </a:r>
+            <a:endParaRPr lang="en-US" b="1" dirty="0"/>
+          </a:p>
+        </p:txBody>
+      </p:sp>
+      <p:sp>
+        <p:nvSpPr>
+          <p:cNvPr id="3" name="Content Placeholder 2"/>
+          <p:cNvSpPr>
+            <a:spLocks noGrp="1"/>
+          </p:cNvSpPr>
+          <p:nvPr>
+            <p:ph idx="1"/>
+          </p:nvPr>
+        </p:nvSpPr>
+        <p:spPr/>
+        <p:txBody>
+          <a:bodyPr>
+            <a:normAutofit/>
+          </a:bodyPr>
+          <a:lstStyle/>
+          <a:p>
+            <a:r>
+              <a:rPr lang="en-US" dirty="0" smtClean="0"/>
+              <a:t>If an actor computation doesn’t have a side effect then everything will just work</a:t>
+            </a:r>
+          </a:p>
+          <a:p>
+            <a:r>
+              <a:rPr lang="en-US" dirty="0" smtClean="0"/>
+              <a:t>In rare case of actor death, a computation could be replayed. Therefore, side effects must be safe if they are run twice (e.g. Id/Key existence check before inserts).</a:t>
+            </a:r>
+          </a:p>
+          <a:p>
+            <a:r>
+              <a:rPr lang="en-US" dirty="0" smtClean="0"/>
+              <a:t>Best practice is to put side effects into separate actors, e.g. </a:t>
+            </a:r>
+            <a:r>
+              <a:rPr lang="en-US" dirty="0" err="1" smtClean="0"/>
+              <a:t>SavePocoActor</a:t>
+            </a:r>
+            <a:r>
+              <a:rPr lang="en-US" dirty="0" smtClean="0"/>
+              <a:t>&lt;</a:t>
+            </a:r>
+            <a:r>
+              <a:rPr lang="en-US" dirty="0" err="1" smtClean="0"/>
+              <a:t>TPoco</a:t>
+            </a:r>
+            <a:r>
+              <a:rPr lang="en-US" dirty="0" smtClean="0"/>
+              <a:t>&gt;.</a:t>
+            </a:r>
+            <a:endParaRPr lang="en-US" dirty="0"/>
+          </a:p>
+        </p:txBody>
+      </p:sp>
+    </p:spTree>
+    <p:extLst>
+      <p:ext uri="{BB962C8B-B14F-4D97-AF65-F5344CB8AC3E}">
+        <p14:creationId xmlns:p14="http://schemas.microsoft.com/office/powerpoint/2010/main" val="2832545219"/>
+      </p:ext>
+    </p:extLst>
+  </p:cSld>
+  <p:clrMapOvr>
+    <a:masterClrMapping/>
+  </p:clrMapOvr>
+  <p:timing>
+    <p:tnLst>
+      <p:par>
+        <p:cTn id="1" dur="indefinite" restart="never" nodeType="tmRoot"/>
+      </p:par>
+    </p:tnLst>
+  </p:timing>
+</p:sld>
+</file>
+
+<file path=ppt/slides/slide11.xml><?xml version="1.0" encoding="utf-8"?>
+<p:sld xmlns:a="http://schemas.openxmlformats.org/drawingml/2006/main" xmlns:r="http://schemas.openxmlformats.org/officeDocument/2006/relationships" xmlns:p="http://schemas.openxmlformats.org/presentationml/2006/main">
+  <p:cSld>
+    <p:spTree>
+      <p:nvGrpSpPr>
+        <p:cNvPr id="1" name=""/>
+        <p:cNvGrpSpPr/>
+        <p:nvPr/>
+      </p:nvGrpSpPr>
+      <p:grpSpPr>
+        <a:xfrm>
+          <a:off x="0" y="0"/>
+          <a:ext cx="0" cy="0"/>
+          <a:chOff x="0" y="0"/>
+          <a:chExt cx="0" cy="0"/>
+        </a:xfrm>
+      </p:grpSpPr>
+      <p:sp>
+        <p:nvSpPr>
+          <p:cNvPr id="2" name="Title 1"/>
+          <p:cNvSpPr>
+            <a:spLocks noGrp="1"/>
+          </p:cNvSpPr>
+          <p:nvPr>
+            <p:ph type="title"/>
+          </p:nvPr>
+        </p:nvSpPr>
+        <p:spPr/>
+        <p:txBody>
+          <a:bodyPr/>
+          <a:lstStyle/>
+          <a:p>
+            <a:r>
+              <a:rPr lang="en-US" b="1" dirty="0" smtClean="0"/>
+              <a:t>Throughput Guarantees</a:t>
+            </a:r>
+            <a:endParaRPr lang="en-US" b="1" dirty="0"/>
+          </a:p>
+        </p:txBody>
+      </p:sp>
+      <p:sp>
+        <p:nvSpPr>
+          <p:cNvPr id="3" name="Content Placeholder 2"/>
+          <p:cNvSpPr>
+            <a:spLocks noGrp="1"/>
+          </p:cNvSpPr>
+          <p:nvPr>
+            <p:ph idx="1"/>
+          </p:nvPr>
+        </p:nvSpPr>
+        <p:spPr/>
+        <p:txBody>
+          <a:bodyPr/>
+          <a:lstStyle/>
+          <a:p>
+            <a:r>
+              <a:rPr lang="en-US" dirty="0" smtClean="0"/>
+              <a:t>Redis is the limit! (which means network speed is the limit).</a:t>
+            </a:r>
+          </a:p>
+          <a:p>
+            <a:r>
+              <a:rPr lang="en-US" dirty="0"/>
+              <a:t>Each actor could live on its own Redis </a:t>
+            </a:r>
+            <a:r>
+              <a:rPr lang="en-US" dirty="0" smtClean="0"/>
+              <a:t>server – just override Redis connection string property on actor definition.</a:t>
+            </a:r>
+          </a:p>
+          <a:p>
+            <a:r>
+              <a:rPr lang="en-US" dirty="0" smtClean="0"/>
+              <a:t>Pass L5 data references (e.g. RDBMS/S3 keys) instead of actual data to avoid large network load.</a:t>
+            </a:r>
+            <a:endParaRPr lang="en-US" dirty="0"/>
+          </a:p>
+        </p:txBody>
+      </p:sp>
+    </p:spTree>
+    <p:extLst>
+      <p:ext uri="{BB962C8B-B14F-4D97-AF65-F5344CB8AC3E}">
+        <p14:creationId xmlns:p14="http://schemas.microsoft.com/office/powerpoint/2010/main" val="2962538722"/>
+      </p:ext>
+    </p:extLst>
+  </p:cSld>
+  <p:clrMapOvr>
+    <a:masterClrMapping/>
+  </p:clrMapOvr>
+  <p:timing>
+    <p:tnLst>
+      <p:par>
+        <p:cTn id="1" dur="indefinite" restart="never" nodeType="tmRoot"/>
+      </p:par>
+    </p:tnLst>
+  </p:timing>
+</p:sld>
+</file>
+
+<file path=ppt/slides/slide12.xml><?xml version="1.0" encoding="utf-8"?>
+<p:sld xmlns:a="http://schemas.openxmlformats.org/drawingml/2006/main" xmlns:r="http://schemas.openxmlformats.org/officeDocument/2006/relationships" xmlns:p="http://schemas.openxmlformats.org/presentationml/2006/main">
+  <p:cSld>
+    <p:spTree>
+      <p:nvGrpSpPr>
+        <p:cNvPr id="1" name=""/>
+        <p:cNvGrpSpPr/>
+        <p:nvPr/>
+      </p:nvGrpSpPr>
+      <p:grpSpPr>
+        <a:xfrm>
+          <a:off x="0" y="0"/>
+          <a:ext cx="0" cy="0"/>
+          <a:chOff x="0" y="0"/>
+          <a:chExt cx="0" cy="0"/>
+        </a:xfrm>
+      </p:grpSpPr>
+      <p:sp>
+        <p:nvSpPr>
+          <p:cNvPr id="2" name="Title 1"/>
+          <p:cNvSpPr>
+            <a:spLocks noGrp="1"/>
+          </p:cNvSpPr>
+          <p:nvPr>
+            <p:ph type="title"/>
+          </p:nvPr>
+        </p:nvSpPr>
+        <p:spPr/>
+        <p:txBody>
+          <a:bodyPr/>
+          <a:lstStyle/>
+          <a:p>
+            <a:r>
+              <a:rPr lang="en-US" dirty="0"/>
+              <a:t>A Tale of Two Queues</a:t>
+            </a:r>
+          </a:p>
+        </p:txBody>
+      </p:sp>
+      <p:sp>
+        <p:nvSpPr>
+          <p:cNvPr id="3" name="Content Placeholder 2"/>
+          <p:cNvSpPr>
+            <a:spLocks noGrp="1"/>
+          </p:cNvSpPr>
+          <p:nvPr>
+            <p:ph idx="1"/>
+          </p:nvPr>
+        </p:nvSpPr>
+        <p:spPr/>
+        <p:txBody>
+          <a:bodyPr/>
+          <a:lstStyle/>
+          <a:p>
+            <a:r>
+              <a:rPr lang="en-US" dirty="0" smtClean="0"/>
+              <a:t>Redis is as fast as ZMQ, so you couldn’t expect anything faster</a:t>
+            </a:r>
+          </a:p>
+          <a:p>
+            <a:endParaRPr lang="en-US" dirty="0"/>
+          </a:p>
+        </p:txBody>
+      </p:sp>
+      <p:pic>
+        <p:nvPicPr>
+          <p:cNvPr id="1026" name="Picture 2" descr="http://blog.jupo.org/static/img/two-queues-3.png"/>
+          <p:cNvPicPr>
+            <a:picLocks noChangeAspect="1" noChangeArrowheads="1"/>
+          </p:cNvPicPr>
+          <p:nvPr/>
+        </p:nvPicPr>
+        <p:blipFill>
+          <a:blip r:embed="rId2">
+            <a:extLst>
+              <a:ext uri="{28A0092B-C50C-407E-A947-70E740481C1C}">
+                <a14:useLocalDpi xmlns:a14="http://schemas.microsoft.com/office/drawing/2010/main" val="0"/>
+              </a:ext>
+            </a:extLst>
+          </a:blip>
+          <a:srcRect/>
+          <a:stretch>
+            <a:fillRect/>
+          </a:stretch>
+        </p:blipFill>
+        <p:spPr bwMode="auto">
+          <a:xfrm>
+            <a:off x="1389185" y="2590800"/>
+            <a:ext cx="6096000" cy="3810000"/>
+          </a:xfrm>
+          <a:prstGeom prst="rect">
+            <a:avLst/>
+          </a:prstGeom>
+          <a:noFill/>
+          <a:extLst>
+            <a:ext uri="{909E8E84-426E-40DD-AFC4-6F175D3DCCD1}">
+              <a14:hiddenFill xmlns:a14="http://schemas.microsoft.com/office/drawing/2010/main">
+                <a:solidFill>
+                  <a:srgbClr val="FFFFFF"/>
+                </a:solidFill>
+              </a14:hiddenFill>
+            </a:ext>
+          </a:extLst>
+        </p:spPr>
+      </p:pic>
+      <p:sp>
+        <p:nvSpPr>
+          <p:cNvPr id="4" name="TextBox 3"/>
+          <p:cNvSpPr txBox="1"/>
+          <p:nvPr/>
+        </p:nvSpPr>
+        <p:spPr>
+          <a:xfrm>
+            <a:off x="914400" y="6389077"/>
+            <a:ext cx="5442708" cy="369332"/>
+          </a:xfrm>
+          <a:prstGeom prst="rect">
+            <a:avLst/>
+          </a:prstGeom>
+          <a:noFill/>
+        </p:spPr>
+        <p:txBody>
+          <a:bodyPr wrap="none" rtlCol="0">
+            <a:spAutoFit/>
+          </a:bodyPr>
+          <a:lstStyle/>
+          <a:p>
+            <a:r>
+              <a:rPr lang="en-US" dirty="0">
+                <a:hlinkClick r:id="rId3"/>
+              </a:rPr>
+              <a:t>http://blog.jupo.org/2013/02/23/a-tale-of-two-queues</a:t>
+            </a:r>
+            <a:r>
+              <a:rPr lang="en-US" dirty="0" smtClean="0">
+                <a:hlinkClick r:id="rId3"/>
+              </a:rPr>
+              <a:t>/</a:t>
+            </a:r>
+            <a:r>
+              <a:rPr lang="en-US" dirty="0" smtClean="0"/>
+              <a:t> </a:t>
+            </a:r>
+            <a:endParaRPr lang="en-US" dirty="0"/>
+          </a:p>
+        </p:txBody>
+      </p:sp>
+    </p:spTree>
+    <p:extLst>
+      <p:ext uri="{BB962C8B-B14F-4D97-AF65-F5344CB8AC3E}">
+        <p14:creationId xmlns:p14="http://schemas.microsoft.com/office/powerpoint/2010/main" val="3829873021"/>
+      </p:ext>
+    </p:extLst>
+  </p:cSld>
+  <p:clrMapOvr>
+    <a:masterClrMapping/>
+  </p:clrMapOvr>
+  <p:timing>
+    <p:tnLst>
+      <p:par>
+        <p:cTn id="1" dur="indefinite" restart="never" nodeType="tmRoot"/>
+      </p:par>
+    </p:tnLst>
+  </p:timing>
+</p:sld>
+</file>
+
+<file path=ppt/slides/slide13.xml><?xml version="1.0" encoding="utf-8"?>
+<p:sld xmlns:a="http://schemas.openxmlformats.org/drawingml/2006/main" xmlns:r="http://schemas.openxmlformats.org/officeDocument/2006/relationships" xmlns:p="http://schemas.openxmlformats.org/presentationml/2006/main">
+  <p:cSld>
+    <p:spTree>
+      <p:nvGrpSpPr>
+        <p:cNvPr id="1" name=""/>
+        <p:cNvGrpSpPr/>
+        <p:nvPr/>
+      </p:nvGrpSpPr>
+      <p:grpSpPr>
+        <a:xfrm>
+          <a:off x="0" y="0"/>
+          <a:ext cx="0" cy="0"/>
+          <a:chOff x="0" y="0"/>
+          <a:chExt cx="0" cy="0"/>
+        </a:xfrm>
+      </p:grpSpPr>
+      <p:sp>
+        <p:nvSpPr>
+          <p:cNvPr id="2" name="Title 1"/>
+          <p:cNvSpPr>
+            <a:spLocks noGrp="1"/>
+          </p:cNvSpPr>
+          <p:nvPr>
+            <p:ph type="title"/>
+          </p:nvPr>
+        </p:nvSpPr>
+        <p:spPr/>
+        <p:txBody>
+          <a:bodyPr/>
+          <a:lstStyle/>
+          <a:p>
+            <a:r>
+              <a:rPr lang="en-US" b="1" dirty="0" smtClean="0"/>
+              <a:t>Hello, Actors</a:t>
+            </a:r>
+            <a:endParaRPr lang="en-US" b="1" dirty="0"/>
+          </a:p>
+        </p:txBody>
+      </p:sp>
+      <p:sp>
+        <p:nvSpPr>
+          <p:cNvPr id="3" name="Content Placeholder 2"/>
+          <p:cNvSpPr>
+            <a:spLocks noGrp="1"/>
+          </p:cNvSpPr>
+          <p:nvPr>
+            <p:ph idx="1"/>
+          </p:nvPr>
+        </p:nvSpPr>
+        <p:spPr/>
+        <p:txBody>
+          <a:bodyPr/>
+          <a:lstStyle/>
+          <a:p>
+            <a:endParaRPr lang="en-US" dirty="0"/>
+          </a:p>
+        </p:txBody>
+      </p:sp>
+    </p:spTree>
+    <p:extLst>
+      <p:ext uri="{BB962C8B-B14F-4D97-AF65-F5344CB8AC3E}">
+        <p14:creationId xmlns:p14="http://schemas.microsoft.com/office/powerpoint/2010/main" val="3521068071"/>
+      </p:ext>
+    </p:extLst>
+  </p:cSld>
+  <p:clrMapOvr>
+    <a:masterClrMapping/>
+  </p:clrMapOvr>
+  <p:timing>
+    <p:tnLst>
+      <p:par>
+        <p:cTn id="1" dur="indefinite" restart="never" nodeType="tmRoot"/>
+      </p:par>
+    </p:tnLst>
+  </p:timing>
+</p:sld>
+</file>
+
+<file path=ppt/slides/slide2.xml><?xml version="1.0" encoding="utf-8"?>
+<p:sld xmlns:a="http://schemas.openxmlformats.org/drawingml/2006/main" xmlns:r="http://schemas.openxmlformats.org/officeDocument/2006/relationships" xmlns:p="http://schemas.openxmlformats.org/presentationml/2006/main">
+  <p:cSld>
+    <p:spTree>
+      <p:nvGrpSpPr>
+        <p:cNvPr id="1" name=""/>
+        <p:cNvGrpSpPr/>
+        <p:nvPr/>
+      </p:nvGrpSpPr>
+      <p:grpSpPr>
+        <a:xfrm>
+          <a:off x="0" y="0"/>
+          <a:ext cx="0" cy="0"/>
+          <a:chOff x="0" y="0"/>
+          <a:chExt cx="0" cy="0"/>
+        </a:xfrm>
+      </p:grpSpPr>
+      <p:sp>
+        <p:nvSpPr>
+          <p:cNvPr id="2" name="Title 1"/>
+          <p:cNvSpPr>
+            <a:spLocks noGrp="1"/>
+          </p:cNvSpPr>
+          <p:nvPr>
+            <p:ph type="title"/>
+          </p:nvPr>
+        </p:nvSpPr>
+        <p:spPr/>
+        <p:txBody>
+          <a:bodyPr/>
+          <a:lstStyle/>
+          <a:p>
+            <a:r>
+              <a:rPr lang="en-US" b="1" dirty="0"/>
+              <a:t>CAP </a:t>
+            </a:r>
+            <a:r>
+              <a:rPr lang="en-US" b="1" dirty="0" smtClean="0"/>
+              <a:t>theorem</a:t>
+            </a:r>
+            <a:endParaRPr lang="en-US" b="1" dirty="0"/>
+          </a:p>
+        </p:txBody>
+      </p:sp>
+      <p:sp>
+        <p:nvSpPr>
+          <p:cNvPr id="3" name="Content Placeholder 2"/>
+          <p:cNvSpPr>
+            <a:spLocks noGrp="1"/>
+          </p:cNvSpPr>
+          <p:nvPr>
+            <p:ph idx="1"/>
+          </p:nvPr>
+        </p:nvSpPr>
+        <p:spPr/>
+        <p:txBody>
+          <a:bodyPr>
+            <a:normAutofit/>
+          </a:bodyPr>
+          <a:lstStyle/>
+          <a:p>
+            <a:r>
+              <a:rPr lang="en-US" b="1" dirty="0"/>
+              <a:t>Consistency</a:t>
+            </a:r>
+            <a:r>
+              <a:rPr lang="en-US" dirty="0"/>
+              <a:t> (all nodes see the same data at the same </a:t>
+            </a:r>
+            <a:r>
+              <a:rPr lang="en-US" dirty="0" smtClean="0"/>
+              <a:t>time)</a:t>
+            </a:r>
+          </a:p>
+          <a:p>
+            <a:r>
+              <a:rPr lang="en-US" b="1" dirty="0" smtClean="0"/>
+              <a:t>Availability</a:t>
+            </a:r>
+            <a:r>
+              <a:rPr lang="en-US" dirty="0" smtClean="0"/>
+              <a:t> </a:t>
+            </a:r>
+            <a:r>
+              <a:rPr lang="en-US" dirty="0"/>
+              <a:t>(a guarantee that every request receives a response about whether it was successful or failed</a:t>
+            </a:r>
+            <a:r>
+              <a:rPr lang="en-US" dirty="0" smtClean="0"/>
+              <a:t>)</a:t>
+            </a:r>
+          </a:p>
+          <a:p>
+            <a:r>
+              <a:rPr lang="en-US" b="1" dirty="0" smtClean="0"/>
+              <a:t>Partition tolerance </a:t>
+            </a:r>
+            <a:r>
+              <a:rPr lang="en-US" dirty="0" smtClean="0"/>
+              <a:t>(the system continues to operate despite arbitrary message loss or failure of part of the system)</a:t>
+            </a:r>
+          </a:p>
+        </p:txBody>
+      </p:sp>
+    </p:spTree>
+    <p:extLst>
+      <p:ext uri="{BB962C8B-B14F-4D97-AF65-F5344CB8AC3E}">
+        <p14:creationId xmlns:p14="http://schemas.microsoft.com/office/powerpoint/2010/main" val="2607778839"/>
+      </p:ext>
+    </p:extLst>
+  </p:cSld>
+  <p:clrMapOvr>
+    <a:masterClrMapping/>
+  </p:clrMapOvr>
+  <p:timing>
+    <p:tnLst>
+      <p:par>
+        <p:cTn id="1" dur="indefinite" restart="never" nodeType="tmRoot"/>
+      </p:par>
+    </p:tnLst>
+  </p:timing>
+</p:sld>
+</file>
+
+<file path=ppt/slides/slide3.xml><?xml version="1.0" encoding="utf-8"?>
+<p:sld xmlns:a="http://schemas.openxmlformats.org/drawingml/2006/main" xmlns:r="http://schemas.openxmlformats.org/officeDocument/2006/relationships" xmlns:p="http://schemas.openxmlformats.org/presentationml/2006/main">
+  <p:cSld>
+    <p:spTree>
+      <p:nvGrpSpPr>
+        <p:cNvPr id="1" name=""/>
+        <p:cNvGrpSpPr/>
+        <p:nvPr/>
+      </p:nvGrpSpPr>
+      <p:grpSpPr>
+        <a:xfrm>
+          <a:off x="0" y="0"/>
+          <a:ext cx="0" cy="0"/>
+          <a:chOff x="0" y="0"/>
+          <a:chExt cx="0" cy="0"/>
+        </a:xfrm>
+      </p:grpSpPr>
+      <p:sp>
+        <p:nvSpPr>
+          <p:cNvPr id="2" name="Title 1"/>
+          <p:cNvSpPr>
+            <a:spLocks noGrp="1"/>
+          </p:cNvSpPr>
+          <p:nvPr>
+            <p:ph type="title"/>
+          </p:nvPr>
+        </p:nvSpPr>
+        <p:spPr>
+          <a:xfrm>
+            <a:off x="304800" y="274638"/>
+            <a:ext cx="8534400" cy="1143000"/>
+          </a:xfrm>
+        </p:spPr>
+        <p:txBody>
+          <a:bodyPr>
+            <a:normAutofit fontScale="90000"/>
+          </a:bodyPr>
+          <a:lstStyle/>
+          <a:p>
+            <a:r>
+              <a:rPr lang="en-US" b="1" dirty="0"/>
+              <a:t>Process-oriented </a:t>
+            </a:r>
+            <a:r>
+              <a:rPr lang="en-US" b="1" dirty="0" smtClean="0"/>
+              <a:t>programming &amp; Fredis</a:t>
+            </a:r>
+            <a:endParaRPr lang="en-US" b="1" dirty="0"/>
+          </a:p>
+        </p:txBody>
+      </p:sp>
+      <p:sp>
+        <p:nvSpPr>
+          <p:cNvPr id="3" name="Content Placeholder 2"/>
+          <p:cNvSpPr>
+            <a:spLocks noGrp="1"/>
+          </p:cNvSpPr>
+          <p:nvPr>
+            <p:ph idx="1"/>
+          </p:nvPr>
+        </p:nvSpPr>
+        <p:spPr/>
+        <p:txBody>
+          <a:bodyPr>
+            <a:normAutofit lnSpcReduction="10000"/>
+          </a:bodyPr>
+          <a:lstStyle/>
+          <a:p>
+            <a:r>
+              <a:rPr lang="en-US" dirty="0"/>
+              <a:t>Fredis </a:t>
+            </a:r>
+            <a:r>
+              <a:rPr lang="en-US" dirty="0" smtClean="0"/>
+              <a:t>separates </a:t>
+            </a:r>
+            <a:r>
+              <a:rPr lang="en-US" dirty="0"/>
+              <a:t>the concerns of data structures and the concurrent processes that act upon them</a:t>
+            </a:r>
+            <a:r>
+              <a:rPr lang="en-US" dirty="0" smtClean="0"/>
+              <a:t>.</a:t>
+            </a:r>
+          </a:p>
+          <a:p>
+            <a:r>
+              <a:rPr lang="en-US" dirty="0"/>
+              <a:t>Data structures reside in Redis cluster and persistent storage (RDBMS/S3/</a:t>
+            </a:r>
+            <a:r>
+              <a:rPr lang="en-US" dirty="0" err="1"/>
+              <a:t>etc</a:t>
+            </a:r>
+            <a:r>
+              <a:rPr lang="en-US" dirty="0"/>
+              <a:t>) which logically extend single-box memory model to distributed scenario</a:t>
+            </a:r>
+            <a:r>
+              <a:rPr lang="en-US" dirty="0" smtClean="0"/>
+              <a:t>.</a:t>
+            </a:r>
+          </a:p>
+          <a:p>
+            <a:r>
+              <a:rPr lang="en-US" dirty="0"/>
+              <a:t>Fredis actors are the concurrent </a:t>
+            </a:r>
+            <a:r>
+              <a:rPr lang="en-US" dirty="0" smtClean="0"/>
+              <a:t>distributed processes </a:t>
+            </a:r>
+            <a:r>
+              <a:rPr lang="en-US" dirty="0"/>
+              <a:t>that act upon the data.</a:t>
+            </a:r>
+            <a:endParaRPr lang="en-US" dirty="0" smtClean="0"/>
+          </a:p>
+        </p:txBody>
+      </p:sp>
+    </p:spTree>
+    <p:extLst>
+      <p:ext uri="{BB962C8B-B14F-4D97-AF65-F5344CB8AC3E}">
+        <p14:creationId xmlns:p14="http://schemas.microsoft.com/office/powerpoint/2010/main" val="262535976"/>
+      </p:ext>
+    </p:extLst>
+  </p:cSld>
+  <p:clrMapOvr>
+    <a:masterClrMapping/>
+  </p:clrMapOvr>
+  <p:timing>
+    <p:tnLst>
+      <p:par>
+        <p:cTn id="1" dur="indefinite" restart="never" nodeType="tmRoot"/>
+      </p:par>
+    </p:tnLst>
+  </p:timing>
+</p:sld>
+</file>
+
+<file path=ppt/slides/slide4.xml><?xml version="1.0" encoding="utf-8"?>
 <p:sld xmlns:a="http://schemas.openxmlformats.org/drawingml/2006/main" xmlns:r="http://schemas.openxmlformats.org/officeDocument/2006/relationships" xmlns:p="http://schemas.openxmlformats.org/presentationml/2006/main">
   <p:cSld>
     <p:spTree>
@@ -7665,7 +8530,7 @@
         </p:spPr>
         <p:txBody>
           <a:bodyPr>
-            <a:normAutofit/>
+            <a:normAutofit lnSpcReduction="10000"/>
           </a:bodyPr>
           <a:lstStyle/>
           <a:p>
@@ -7687,8 +8552,13 @@
             </a:r>
             <a:r>
               <a:rPr lang="en-US" sz="2400" dirty="0" smtClean="0"/>
-              <a:t>(AWS spot instances, commodity boxes)</a:t>
-            </a:r>
+              <a:t>(AWS spot instances, commodity boxes</a:t>
+            </a:r>
+            <a:r>
+              <a:rPr lang="en-US" sz="2400" dirty="0" smtClean="0"/>
+              <a:t>) act upon shared data</a:t>
+            </a:r>
+            <a:endParaRPr lang="en-US" sz="2400" dirty="0" smtClean="0"/>
           </a:p>
           <a:p>
             <a:r>
@@ -8728,10 +9598,10 @@
           <a:lstStyle/>
           <a:p>
             <a:r>
-              <a:rPr lang="en-US" dirty="0" smtClean="0"/>
-              <a:t>Memory model</a:t>
-            </a:r>
-            <a:endParaRPr lang="en-US" dirty="0"/>
+              <a:rPr lang="en-US" b="1" dirty="0" smtClean="0"/>
+              <a:t>Consistent data model</a:t>
+            </a:r>
+            <a:endParaRPr lang="en-US" b="1" dirty="0"/>
           </a:p>
         </p:txBody>
       </p:sp>
@@ -8850,10 +9720,17 @@
   <p:clrMapOvr>
     <a:masterClrMapping/>
   </p:clrMapOvr>
+  <p:timing>
+    <p:tnLst>
+      <p:par>
+        <p:cTn id="1" dur="indefinite" restart="never" nodeType="tmRoot"/>
+      </p:par>
+    </p:tnLst>
+  </p:timing>
 </p:sld>
 </file>
 
-<file path=ppt/slides/slide2.xml><?xml version="1.0" encoding="utf-8"?>
+<file path=ppt/slides/slide5.xml><?xml version="1.0" encoding="utf-8"?>
 <p:sld xmlns:a="http://schemas.openxmlformats.org/drawingml/2006/main" xmlns:r="http://schemas.openxmlformats.org/officeDocument/2006/relationships" xmlns:p="http://schemas.openxmlformats.org/presentationml/2006/main">
   <p:cSld>
     <p:spTree>
@@ -8886,8 +9763,8 @@
           <a:lstStyle/>
           <a:p>
             <a:r>
-              <a:rPr lang="en-US" b="1" dirty="0" smtClean="0"/>
-              <a:t>Assumptions</a:t>
+              <a:rPr lang="en-US" b="1" dirty="0"/>
+              <a:t>Partition tolerance</a:t>
             </a:r>
             <a:endParaRPr lang="en-US" dirty="0"/>
           </a:p>
@@ -8965,15 +9842,7 @@
             <a:pPr lvl="1"/>
             <a:r>
               <a:rPr lang="en-US" dirty="0" smtClean="0"/>
-              <a:t>After acknowledging a write operation data is reliably stored (reliably like in S3, </a:t>
-            </a:r>
-            <a:r>
-              <a:rPr lang="en-US" dirty="0" smtClean="0"/>
-              <a:t>epsilon to 100</a:t>
-            </a:r>
-            <a:r>
-              <a:rPr lang="en-US" dirty="0" smtClean="0"/>
-              <a:t>%)</a:t>
+              <a:t>After acknowledging a write operation data is reliably stored (reliably like in S3, epsilon to 100%)</a:t>
             </a:r>
             <a:endParaRPr lang="en-US" b="1" dirty="0" smtClean="0"/>
           </a:p>
@@ -8992,10 +9861,17 @@
   <p:clrMapOvr>
     <a:masterClrMapping/>
   </p:clrMapOvr>
+  <p:timing>
+    <p:tnLst>
+      <p:par>
+        <p:cTn id="1" dur="indefinite" restart="never" nodeType="tmRoot"/>
+      </p:par>
+    </p:tnLst>
+  </p:timing>
 </p:sld>
 </file>
 
-<file path=ppt/slides/slide3.xml><?xml version="1.0" encoding="utf-8"?>
+<file path=ppt/slides/slide6.xml><?xml version="1.0" encoding="utf-8"?>
 <p:sld xmlns:a="http://schemas.openxmlformats.org/drawingml/2006/main" xmlns:r="http://schemas.openxmlformats.org/officeDocument/2006/relationships" xmlns:p="http://schemas.openxmlformats.org/presentationml/2006/main">
   <p:cSld>
     <p:spTree>
@@ -9028,10 +9904,14 @@
           <a:lstStyle/>
           <a:p>
             <a:r>
-              <a:rPr lang="en-US" dirty="0" smtClean="0"/>
-              <a:t>Distributed Actors</a:t>
-            </a:r>
-            <a:endParaRPr lang="en-US" dirty="0"/>
+              <a:rPr lang="en-US" b="1" dirty="0" smtClean="0"/>
+              <a:t>Distributed </a:t>
+            </a:r>
+            <a:r>
+              <a:rPr lang="en-US" b="1" dirty="0" smtClean="0"/>
+              <a:t>Collections</a:t>
+            </a:r>
+            <a:endParaRPr lang="en-US" b="1" dirty="0"/>
           </a:p>
         </p:txBody>
       </p:sp>
@@ -9047,34 +9927,85 @@
         </p:nvSpPr>
         <p:spPr/>
         <p:txBody>
-          <a:bodyPr/>
+          <a:bodyPr>
+            <a:normAutofit lnSpcReduction="10000"/>
+          </a:bodyPr>
           <a:lstStyle/>
           <a:p>
             <a:r>
+              <a:rPr lang="en-US" dirty="0" err="1" smtClean="0"/>
+              <a:t>System.Collections.Generic</a:t>
+            </a:r>
+            <a:r>
+              <a:rPr lang="en-US" dirty="0"/>
+              <a:t> </a:t>
+            </a:r>
+            <a:r>
               <a:rPr lang="en-US" dirty="0" smtClean="0"/>
-              <a:t>A Fredis actor is abstract: it has a definition as a class and a number of instances running on worker nodes.</a:t>
-            </a:r>
+              <a:t>on L4/L5 in addition to strongly typed Redis collections.</a:t>
+            </a:r>
+            <a:endParaRPr lang="en-US" dirty="0" smtClean="0"/>
           </a:p>
           <a:p>
             <a:r>
               <a:rPr lang="en-US" dirty="0" smtClean="0"/>
-              <a:t>There is no physical </a:t>
-            </a:r>
-            <a:r>
-              <a:rPr lang="en-US" b="1" dirty="0" smtClean="0"/>
-              <a:t>address</a:t>
+              <a:t>Work directly with </a:t>
+            </a:r>
+            <a:r>
+              <a:rPr lang="en-US" dirty="0" err="1" smtClean="0"/>
+              <a:t>IList</a:t>
             </a:r>
             <a:r>
               <a:rPr lang="en-US" dirty="0" smtClean="0"/>
-              <a:t> of an actor: messages are sent to an abstract identity of an actor and are picked up by random instances.</a:t>
-            </a:r>
-          </a:p>
-          <a:p>
-            <a:r>
-              <a:rPr lang="en-US" dirty="0" smtClean="0">
-                <a:hlinkClick r:id="rId2"/>
-              </a:rPr>
-              <a:t>http://en.wikipedia.org/wiki/Process-oriented_programming</a:t>
+              <a:t>&lt;T&gt;, </a:t>
+            </a:r>
+            <a:r>
+              <a:rPr lang="en-US" dirty="0" err="1" smtClean="0"/>
+              <a:t>IDictionary</a:t>
+            </a:r>
+            <a:r>
+              <a:rPr lang="en-US" dirty="0" smtClean="0"/>
+              <a:t>&lt;</a:t>
+            </a:r>
+            <a:r>
+              <a:rPr lang="en-US" dirty="0" err="1" smtClean="0"/>
+              <a:t>TKey,TValue</a:t>
+            </a:r>
+            <a:r>
+              <a:rPr lang="en-US" dirty="0" smtClean="0"/>
+              <a:t>&gt;, </a:t>
+            </a:r>
+            <a:r>
+              <a:rPr lang="en-US" dirty="0" err="1"/>
+              <a:t>ISet</a:t>
+            </a:r>
+            <a:r>
+              <a:rPr lang="en-US" dirty="0"/>
+              <a:t>&lt;T</a:t>
+            </a:r>
+            <a:r>
+              <a:rPr lang="en-US" dirty="0" smtClean="0"/>
+              <a:t>&gt; interfaces as with local collections.</a:t>
+            </a:r>
+          </a:p>
+          <a:p>
+            <a:r>
+              <a:rPr lang="en-US" dirty="0" smtClean="0"/>
+              <a:t>Data is locally (entirely/partially) cached in worker nodes’ L3 memory and synchronized across the nodes using Redis </a:t>
+            </a:r>
+            <a:r>
+              <a:rPr lang="en-US" dirty="0" err="1" smtClean="0"/>
+              <a:t>PubSub</a:t>
+            </a:r>
+            <a:r>
+              <a:rPr lang="en-US" dirty="0" smtClean="0"/>
+              <a:t>.</a:t>
+            </a:r>
+          </a:p>
+          <a:p>
+            <a:r>
+              <a:rPr lang="en-US" dirty="0" smtClean="0"/>
+              <a:t>Locality = performance.</a:t>
             </a:r>
             <a:endParaRPr lang="en-US" dirty="0" smtClean="0"/>
           </a:p>
@@ -9083,17 +10014,24 @@
     </p:spTree>
     <p:extLst>
       <p:ext uri="{BB962C8B-B14F-4D97-AF65-F5344CB8AC3E}">
-        <p14:creationId xmlns:p14="http://schemas.microsoft.com/office/powerpoint/2010/main" val="2916218951"/>
+        <p14:creationId xmlns:p14="http://schemas.microsoft.com/office/powerpoint/2010/main" val="3852297711"/>
       </p:ext>
     </p:extLst>
   </p:cSld>
   <p:clrMapOvr>
     <a:masterClrMapping/>
   </p:clrMapOvr>
+  <p:timing>
+    <p:tnLst>
+      <p:par>
+        <p:cTn id="1" dur="indefinite" restart="never" nodeType="tmRoot"/>
+      </p:par>
+    </p:tnLst>
+  </p:timing>
 </p:sld>
 </file>
 
-<file path=ppt/slides/slide4.xml><?xml version="1.0" encoding="utf-8"?>
+<file path=ppt/slides/slide7.xml><?xml version="1.0" encoding="utf-8"?>
 <p:sld xmlns:a="http://schemas.openxmlformats.org/drawingml/2006/main" xmlns:r="http://schemas.openxmlformats.org/officeDocument/2006/relationships" xmlns:p="http://schemas.openxmlformats.org/presentationml/2006/main">
   <p:cSld>
     <p:spTree>
@@ -9126,10 +10064,127 @@
           <a:lstStyle/>
           <a:p>
             <a:r>
+              <a:rPr lang="en-US" b="1" dirty="0" smtClean="0"/>
+              <a:t>Distributed Actors</a:t>
+            </a:r>
+            <a:endParaRPr lang="en-US" b="1" dirty="0"/>
+          </a:p>
+        </p:txBody>
+      </p:sp>
+      <p:sp>
+        <p:nvSpPr>
+          <p:cNvPr id="3" name="Content Placeholder 2"/>
+          <p:cNvSpPr>
+            <a:spLocks noGrp="1"/>
+          </p:cNvSpPr>
+          <p:nvPr>
+            <p:ph idx="1"/>
+          </p:nvPr>
+        </p:nvSpPr>
+        <p:spPr/>
+        <p:txBody>
+          <a:bodyPr/>
+          <a:lstStyle/>
+          <a:p>
+            <a:r>
               <a:rPr lang="en-US" dirty="0" smtClean="0"/>
+              <a:t>A Fredis </a:t>
+            </a:r>
+            <a:r>
+              <a:rPr lang="en-US" dirty="0" smtClean="0"/>
+              <a:t>actors are </a:t>
+            </a:r>
+            <a:r>
+              <a:rPr lang="en-US" dirty="0" smtClean="0"/>
+              <a:t>abstract: </a:t>
+            </a:r>
+            <a:r>
+              <a:rPr lang="en-US" dirty="0" smtClean="0"/>
+              <a:t>they have </a:t>
+            </a:r>
+            <a:r>
+              <a:rPr lang="en-US" dirty="0" smtClean="0"/>
+              <a:t>a definition as a class and a number of instances running on worker nodes.</a:t>
+            </a:r>
+          </a:p>
+          <a:p>
+            <a:r>
+              <a:rPr lang="en-US" dirty="0" smtClean="0"/>
+              <a:t>There is no physical </a:t>
+            </a:r>
+            <a:r>
+              <a:rPr lang="en-US" b="1" dirty="0" smtClean="0"/>
+              <a:t>address</a:t>
+            </a:r>
+            <a:r>
+              <a:rPr lang="en-US" dirty="0" smtClean="0"/>
+              <a:t> of an actor: messages are sent to an abstract identity of an actor and are picked up by random </a:t>
+            </a:r>
+            <a:r>
+              <a:rPr lang="en-US" dirty="0" smtClean="0"/>
+              <a:t>instances inside workers cluster.</a:t>
+            </a:r>
+            <a:endParaRPr lang="en-US" dirty="0" smtClean="0"/>
+          </a:p>
+        </p:txBody>
+      </p:sp>
+    </p:spTree>
+    <p:extLst>
+      <p:ext uri="{BB962C8B-B14F-4D97-AF65-F5344CB8AC3E}">
+        <p14:creationId xmlns:p14="http://schemas.microsoft.com/office/powerpoint/2010/main" val="2916218951"/>
+      </p:ext>
+    </p:extLst>
+  </p:cSld>
+  <p:clrMapOvr>
+    <a:masterClrMapping/>
+  </p:clrMapOvr>
+  <p:timing>
+    <p:tnLst>
+      <p:par>
+        <p:cTn id="1" dur="indefinite" restart="never" nodeType="tmRoot"/>
+      </p:par>
+    </p:tnLst>
+  </p:timing>
+</p:sld>
+</file>
+
+<file path=ppt/slides/slide8.xml><?xml version="1.0" encoding="utf-8"?>
+<p:sld xmlns:a="http://schemas.openxmlformats.org/drawingml/2006/main" xmlns:r="http://schemas.openxmlformats.org/officeDocument/2006/relationships" xmlns:p="http://schemas.openxmlformats.org/presentationml/2006/main">
+  <p:cSld>
+    <p:spTree>
+      <p:nvGrpSpPr>
+        <p:cNvPr id="1" name=""/>
+        <p:cNvGrpSpPr/>
+        <p:nvPr/>
+      </p:nvGrpSpPr>
+      <p:grpSpPr>
+        <a:xfrm>
+          <a:off x="0" y="0"/>
+          <a:ext cx="0" cy="0"/>
+          <a:chOff x="0" y="0"/>
+          <a:chExt cx="0" cy="0"/>
+        </a:xfrm>
+      </p:grpSpPr>
+      <p:sp>
+        <p:nvSpPr>
+          <p:cNvPr id="2" name="Title 1"/>
+          <p:cNvSpPr>
+            <a:spLocks noGrp="1"/>
+          </p:cNvSpPr>
+          <p:nvPr>
+            <p:ph type="title"/>
+          </p:nvPr>
+        </p:nvSpPr>
+        <p:spPr/>
+        <p:txBody>
+          <a:bodyPr/>
+          <a:lstStyle/>
+          <a:p>
+            <a:r>
+              <a:rPr lang="en-US" b="1" dirty="0" smtClean="0"/>
               <a:t>Continuations</a:t>
             </a:r>
-            <a:endParaRPr lang="en-US" dirty="0"/>
+            <a:endParaRPr lang="en-US" b="1" dirty="0"/>
           </a:p>
         </p:txBody>
       </p:sp>
@@ -9407,10 +10462,17 @@
   <p:clrMapOvr>
     <a:masterClrMapping/>
   </p:clrMapOvr>
+  <p:timing>
+    <p:tnLst>
+      <p:par>
+        <p:cTn id="1" dur="indefinite" restart="never" nodeType="tmRoot"/>
+      </p:par>
+    </p:tnLst>
+  </p:timing>
 </p:sld>
 </file>
 
-<file path=ppt/slides/slide5.xml><?xml version="1.0" encoding="utf-8"?>
+<file path=ppt/slides/slide9.xml><?xml version="1.0" encoding="utf-8"?>
 <p:sld xmlns:a="http://schemas.openxmlformats.org/drawingml/2006/main" xmlns:r="http://schemas.openxmlformats.org/officeDocument/2006/relationships" xmlns:p="http://schemas.openxmlformats.org/presentationml/2006/main">
   <p:cSld>
     <p:spTree>
@@ -9443,10 +10505,18 @@
           <a:lstStyle/>
           <a:p>
             <a:r>
-              <a:rPr lang="en-US" dirty="0" smtClean="0"/>
-              <a:t>Side effects</a:t>
-            </a:r>
-            <a:endParaRPr lang="en-US" dirty="0"/>
+              <a:rPr lang="en-US" b="1" dirty="0"/>
+              <a:t>Availability</a:t>
+            </a:r>
+            <a:r>
+              <a:rPr lang="en-US" dirty="0"/>
+              <a:t> </a:t>
+            </a:r>
+            <a:r>
+              <a:rPr lang="en-US" b="1" dirty="0" smtClean="0"/>
+              <a:t>Guarantees</a:t>
+            </a:r>
+            <a:endParaRPr lang="en-US" b="1" dirty="0"/>
           </a:p>
         </p:txBody>
       </p:sp>
@@ -9462,65 +10532,57 @@
         </p:nvSpPr>
         <p:spPr/>
         <p:txBody>
-          <a:bodyPr>
-            <a:normAutofit/>
-          </a:bodyPr>
+          <a:bodyPr/>
           <a:lstStyle/>
           <a:p>
             <a:r>
               <a:rPr lang="en-US" dirty="0" smtClean="0"/>
-              <a:t>If an actor computation doesn’t have a side effect then everything will just work</a:t>
+              <a:t>Every messaged will be consumed by a computation even if a worker node dies</a:t>
             </a:r>
           </a:p>
           <a:p>
             <a:r>
               <a:rPr lang="en-US" dirty="0" smtClean="0"/>
-              <a:t>In rare case of actor death, a computation could be replayed. Therefore, side </a:t>
+              <a:t>If a single computation or any chain of continuations throws an exception:</a:t>
+            </a:r>
+          </a:p>
+          <a:p>
+            <a:pPr lvl="1"/>
+            <a:r>
+              <a:rPr lang="en-US" dirty="0" err="1" smtClean="0"/>
+              <a:t>PostAndGetReply</a:t>
             </a:r>
             <a:r>
               <a:rPr lang="en-US" dirty="0" smtClean="0"/>
-              <a:t>effects </a:t>
-            </a:r>
+              <a:t>() callers will get the original exception</a:t>
+            </a:r>
+          </a:p>
+          <a:p>
+            <a:pPr lvl="1"/>
             <a:r>
               <a:rPr lang="en-US" dirty="0" smtClean="0"/>
-              <a:t>must be safe if they are run twice (e.g. Id/Key existence check before inserts).</a:t>
-            </a:r>
-          </a:p>
-          <a:p>
-            <a:r>
-              <a:rPr lang="en-US" dirty="0" smtClean="0"/>
-              <a:t>Best practice is to put side effects into separate actors, e.g. </a:t>
-            </a:r>
-            <a:r>
-              <a:rPr lang="en-US" dirty="0" err="1" smtClean="0"/>
-              <a:t>SavePocoActor</a:t>
-            </a:r>
-            <a:r>
-              <a:rPr lang="en-US" dirty="0" smtClean="0"/>
-              <a:t>&lt;</a:t>
-            </a:r>
-            <a:r>
-              <a:rPr lang="en-US" dirty="0" err="1" smtClean="0"/>
-              <a:t>TPoco</a:t>
-            </a:r>
-            <a:r>
-              <a:rPr lang="en-US" dirty="0" smtClean="0"/>
-              <a:t>&gt;.</a:t>
-            </a:r>
-            <a:endParaRPr lang="en-US" dirty="0"/>
+              <a:t>Post() returns immediately after sending a message, a throwing computation will be replayed and logged</a:t>
+            </a:r>
           </a:p>
         </p:txBody>
       </p:sp>
     </p:spTree>
     <p:extLst>
       <p:ext uri="{BB962C8B-B14F-4D97-AF65-F5344CB8AC3E}">
-        <p14:creationId xmlns:p14="http://schemas.microsoft.com/office/powerpoint/2010/main" val="2832545219"/>
+        <p14:creationId xmlns:p14="http://schemas.microsoft.com/office/powerpoint/2010/main" val="1425725272"/>
       </p:ext>
     </p:extLst>
   </p:cSld>
   <p:clrMapOvr>
     <a:masterClrMapping/>
   </p:clrMapOvr>
+  <p:timing>
+    <p:tnLst>
+      <p:par>
+        <p:cTn id="1" dur="indefinite" restart="never" nodeType="tmRoot"/>
+      </p:par>
+    </p:tnLst>
+  </p:timing>
 </p:sld>
 </file>
 

--- a/docs/files/Fredis.pptx
+++ b/docs/files/Fredis.pptx
@@ -7442,12 +7442,18 @@
         </p:nvSpPr>
         <p:spPr/>
         <p:txBody>
-          <a:bodyPr/>
+          <a:bodyPr>
+            <a:normAutofit/>
+          </a:bodyPr>
           <a:lstStyle/>
           <a:p>
             <a:r>
+              <a:rPr lang="en-US" b="1" dirty="0"/>
+              <a:t>Pricing </a:t>
+            </a:r>
+            <a:r>
               <a:rPr lang="en-US" b="1" dirty="0" smtClean="0"/>
-              <a:t>Hello, Actors</a:t>
+              <a:t>matters</a:t>
             </a:r>
             <a:endParaRPr lang="en-US" b="1" dirty="0"/>
           </a:p>
@@ -7463,15 +7469,189 @@
             <p:ph idx="1"/>
           </p:nvPr>
         </p:nvSpPr>
-        <p:spPr/>
+        <p:spPr>
+          <a:xfrm>
+            <a:off x="457200" y="1219200"/>
+            <a:ext cx="8229600" cy="5486400"/>
+          </a:xfrm>
+        </p:spPr>
         <p:txBody>
-          <a:bodyPr/>
+          <a:bodyPr>
+            <a:normAutofit fontScale="77500" lnSpcReduction="20000"/>
+          </a:bodyPr>
           <a:lstStyle/>
           <a:p>
+            <a:r>
+              <a:rPr lang="en-US" dirty="0" smtClean="0"/>
+              <a:t>Fredis could run on </a:t>
+            </a:r>
+            <a:r>
+              <a:rPr lang="en-US" dirty="0" smtClean="0"/>
+              <a:t>Linux (Mono), </a:t>
+            </a:r>
+            <a:r>
+              <a:rPr lang="en-US" dirty="0" smtClean="0"/>
+              <a:t>but with </a:t>
+            </a:r>
+            <a:r>
+              <a:rPr lang="en-US" dirty="0" err="1" smtClean="0"/>
+              <a:t>dev</a:t>
+            </a:r>
+            <a:r>
+              <a:rPr lang="en-US" dirty="0" smtClean="0"/>
+              <a:t> + debug time accounted for – the </a:t>
+            </a:r>
+            <a:r>
+              <a:rPr lang="en-US" dirty="0" smtClean="0"/>
+              <a:t>Linux </a:t>
+            </a:r>
+            <a:r>
+              <a:rPr lang="en-US" dirty="0" smtClean="0"/>
+              <a:t>cost </a:t>
+            </a:r>
+            <a:r>
+              <a:rPr lang="en-US" dirty="0" smtClean="0"/>
+              <a:t>could exceed </a:t>
+            </a:r>
+            <a:r>
+              <a:rPr lang="en-US" dirty="0" smtClean="0"/>
+              <a:t>the cost of spot Windows servers:</a:t>
+            </a:r>
+          </a:p>
+          <a:p>
+            <a:pPr lvl="1"/>
+            <a:r>
+              <a:rPr lang="en-US" dirty="0" smtClean="0"/>
+              <a:t>Spot: </a:t>
+            </a:r>
+            <a:r>
+              <a:rPr lang="en-US" b="1" dirty="0" smtClean="0"/>
+              <a:t>0.072</a:t>
+            </a:r>
+          </a:p>
+          <a:p>
+            <a:pPr lvl="1"/>
+            <a:r>
+              <a:rPr lang="en-US" dirty="0" smtClean="0"/>
+              <a:t>Win </a:t>
+            </a:r>
+            <a:r>
+              <a:rPr lang="en-US" dirty="0"/>
+              <a:t>(OD): </a:t>
+            </a:r>
+            <a:r>
+              <a:rPr lang="en-US" dirty="0" smtClean="0"/>
+              <a:t>0.1337</a:t>
+            </a:r>
+          </a:p>
+          <a:p>
+            <a:pPr lvl="1"/>
+            <a:r>
+              <a:rPr lang="en-US" dirty="0" smtClean="0"/>
+              <a:t>Lin (OD): 0.077</a:t>
+            </a:r>
+          </a:p>
+          <a:p>
+            <a:pPr lvl="1"/>
+            <a:r>
+              <a:rPr lang="en-US" dirty="0" smtClean="0"/>
+              <a:t>Win (R): 0.069</a:t>
+            </a:r>
+          </a:p>
+          <a:p>
+            <a:pPr lvl="1"/>
+            <a:r>
+              <a:rPr lang="en-US" dirty="0" smtClean="0"/>
+              <a:t>Lin (R): </a:t>
+            </a:r>
+            <a:r>
+              <a:rPr lang="en-US" dirty="0" smtClean="0"/>
+              <a:t>0.03</a:t>
+            </a:r>
+          </a:p>
+          <a:p>
+            <a:pPr lvl="1"/>
+            <a:endParaRPr lang="en-US" dirty="0" smtClean="0"/>
+          </a:p>
+          <a:p>
+            <a:r>
+              <a:rPr lang="en-US" dirty="0" smtClean="0"/>
+              <a:t>Spots were knocked out only in one AZ in 3 months in EU.</a:t>
+            </a:r>
+          </a:p>
+          <a:p>
+            <a:r>
+              <a:rPr lang="en-US" dirty="0" smtClean="0"/>
+              <a:t>$100 ~ 100 full days difference per one m3.med: if your pay is $100/H you should spend less than 3.5 hours per machine per year to justify migration to Mono. </a:t>
+            </a:r>
+          </a:p>
+          <a:p>
+            <a:r>
+              <a:rPr lang="en-US" dirty="0"/>
+              <a:t>I</a:t>
+            </a:r>
+            <a:r>
+              <a:rPr lang="en-US" dirty="0" smtClean="0"/>
+              <a:t>f you have 10 machines, a half week of work (35 hours) is justified but not more.</a:t>
+            </a:r>
             <a:endParaRPr lang="en-US" dirty="0"/>
           </a:p>
         </p:txBody>
       </p:sp>
+      <p:pic>
+        <p:nvPicPr>
+          <p:cNvPr id="3075" name="Picture 3"/>
+          <p:cNvPicPr>
+            <a:picLocks noChangeAspect="1" noChangeArrowheads="1"/>
+          </p:cNvPicPr>
+          <p:nvPr/>
+        </p:nvPicPr>
+        <p:blipFill>
+          <a:blip r:embed="rId2">
+            <a:extLst>
+              <a:ext uri="{28A0092B-C50C-407E-A947-70E740481C1C}">
+                <a14:useLocalDpi xmlns:a14="http://schemas.microsoft.com/office/drawing/2010/main" val="0"/>
+              </a:ext>
+            </a:extLst>
+          </a:blip>
+          <a:srcRect/>
+          <a:stretch>
+            <a:fillRect/>
+          </a:stretch>
+        </p:blipFill>
+        <p:spPr bwMode="auto">
+          <a:xfrm>
+            <a:off x="4495800" y="1981200"/>
+            <a:ext cx="3810000" cy="2197422"/>
+          </a:xfrm>
+          <a:prstGeom prst="rect">
+            <a:avLst/>
+          </a:prstGeom>
+          <a:noFill/>
+          <a:ln>
+            <a:noFill/>
+          </a:ln>
+          <a:extLst>
+            <a:ext uri="{909E8E84-426E-40DD-AFC4-6F175D3DCCD1}">
+              <a14:hiddenFill xmlns:a14="http://schemas.microsoft.com/office/drawing/2010/main">
+                <a:solidFill>
+                  <a:schemeClr val="accent1"/>
+                </a:solidFill>
+              </a14:hiddenFill>
+            </a:ext>
+            <a:ext uri="{91240B29-F687-4F45-9708-019B960494DF}">
+              <a14:hiddenLine xmlns:a14="http://schemas.microsoft.com/office/drawing/2010/main" w="9525">
+                <a:solidFill>
+                  <a:schemeClr val="tx1"/>
+                </a:solidFill>
+                <a:miter lim="800000"/>
+                <a:headEnd/>
+                <a:tailEnd/>
+              </a14:hiddenLine>
+            </a:ext>
+          </a:extLst>
+        </p:spPr>
+      </p:pic>
     </p:spTree>
     <p:extLst>
       <p:ext uri="{BB962C8B-B14F-4D97-AF65-F5344CB8AC3E}">
@@ -8552,13 +8732,8 @@
             </a:r>
             <a:r>
               <a:rPr lang="en-US" sz="2400" dirty="0" smtClean="0"/>
-              <a:t>(AWS spot instances, commodity boxes</a:t>
-            </a:r>
-            <a:r>
-              <a:rPr lang="en-US" sz="2400" dirty="0" smtClean="0"/>
-              <a:t>) act upon shared data</a:t>
-            </a:r>
-            <a:endParaRPr lang="en-US" sz="2400" dirty="0" smtClean="0"/>
+              <a:t>(AWS spot instances, commodity boxes) act upon shared data</a:t>
+            </a:r>
           </a:p>
           <a:p>
             <a:r>
@@ -9905,11 +10080,7 @@
           <a:p>
             <a:r>
               <a:rPr lang="en-US" b="1" dirty="0" smtClean="0"/>
-              <a:t>Distributed </a:t>
-            </a:r>
-            <a:r>
-              <a:rPr lang="en-US" b="1" dirty="0" smtClean="0"/>
-              <a:t>Collections</a:t>
+              <a:t>Distributed Collections</a:t>
             </a:r>
             <a:endParaRPr lang="en-US" b="1" dirty="0"/>
           </a:p>
@@ -9944,7 +10115,6 @@
               <a:rPr lang="en-US" dirty="0" smtClean="0"/>
               <a:t>on L4/L5 in addition to strongly typed Redis collections.</a:t>
             </a:r>
-            <a:endParaRPr lang="en-US" dirty="0" smtClean="0"/>
           </a:p>
           <a:p>
             <a:r>
@@ -10007,7 +10177,6 @@
               <a:rPr lang="en-US" dirty="0" smtClean="0"/>
               <a:t>Locality = performance.</a:t>
             </a:r>
-            <a:endParaRPr lang="en-US" dirty="0" smtClean="0"/>
           </a:p>
         </p:txBody>
       </p:sp>
@@ -10088,23 +10257,11 @@
           <a:p>
             <a:r>
               <a:rPr lang="en-US" dirty="0" smtClean="0"/>
-              <a:t>A Fredis </a:t>
+              <a:t>Fredis </a:t>
             </a:r>
             <a:r>
               <a:rPr lang="en-US" dirty="0" smtClean="0"/>
-              <a:t>actors are </a:t>
-            </a:r>
-            <a:r>
-              <a:rPr lang="en-US" dirty="0" smtClean="0"/>
-              <a:t>abstract: </a:t>
-            </a:r>
-            <a:r>
-              <a:rPr lang="en-US" dirty="0" smtClean="0"/>
-              <a:t>they have </a:t>
-            </a:r>
-            <a:r>
-              <a:rPr lang="en-US" dirty="0" smtClean="0"/>
-              <a:t>a definition as a class and a number of instances running on worker nodes.</a:t>
+              <a:t>actors are abstract: they have a definition as a class and a number of instances running on worker nodes.</a:t>
             </a:r>
           </a:p>
           <a:p>
@@ -10118,13 +10275,8 @@
             </a:r>
             <a:r>
               <a:rPr lang="en-US" dirty="0" smtClean="0"/>
-              <a:t> of an actor: messages are sent to an abstract identity of an actor and are picked up by random </a:t>
-            </a:r>
-            <a:r>
-              <a:rPr lang="en-US" dirty="0" smtClean="0"/>
-              <a:t>instances inside workers cluster.</a:t>
-            </a:r>
-            <a:endParaRPr lang="en-US" dirty="0" smtClean="0"/>
+              <a:t> of an actor: messages are sent to an abstract identity of an actor and are picked up by random instances inside workers cluster.</a:t>
+            </a:r>
           </a:p>
         </p:txBody>
       </p:sp>
@@ -10402,15 +10554,15 @@
           <a:p>
             <a:r>
               <a:rPr lang="en-US" dirty="0" smtClean="0"/>
-              <a:t>In rare case of continuator death, continuation will be replayed and it will pick available* results from its actors </a:t>
-            </a:r>
-            <a:r>
-              <a:rPr lang="en-US" smtClean="0"/>
-              <a:t>without replay</a:t>
+              <a:t>In </a:t>
             </a:r>
             <a:r>
               <a:rPr lang="en-US" dirty="0" smtClean="0"/>
-              <a:t>.</a:t>
+              <a:t>a rare </a:t>
+            </a:r>
+            <a:r>
+              <a:rPr lang="en-US" dirty="0" smtClean="0"/>
+              <a:t>case of continuator death, continuation will be replayed and it will pick available* results from its actors without replay.</a:t>
             </a:r>
           </a:p>
           <a:p>
